--- a/CSCE689-23/L12.pptx
+++ b/CSCE689-23/L12.pptx
@@ -227,7 +227,7 @@
           <a:p>
             <a:fld id="{D3F9CEB5-2A64-4CF6-94E8-A1E574E0AB80}" type="datetimeFigureOut">
               <a:rPr lang="en-US" smtClean="0"/>
-              <a:t>9/18/2023</a:t>
+              <a:t>9/28/2023</a:t>
             </a:fld>
             <a:endParaRPr lang="en-US"/>
           </a:p>
@@ -2405,7 +2405,7 @@
           <a:p>
             <a:fld id="{57BC72D2-B6B3-4AE2-B766-D914FF6D1453}" type="datetimeFigureOut">
               <a:rPr lang="en-US" smtClean="0"/>
-              <a:t>9/18/2023</a:t>
+              <a:t>9/28/2023</a:t>
             </a:fld>
             <a:endParaRPr lang="en-US"/>
           </a:p>
@@ -2603,7 +2603,7 @@
           <a:p>
             <a:fld id="{57BC72D2-B6B3-4AE2-B766-D914FF6D1453}" type="datetimeFigureOut">
               <a:rPr lang="en-US" smtClean="0"/>
-              <a:t>9/18/2023</a:t>
+              <a:t>9/28/2023</a:t>
             </a:fld>
             <a:endParaRPr lang="en-US"/>
           </a:p>
@@ -2811,7 +2811,7 @@
           <a:p>
             <a:fld id="{57BC72D2-B6B3-4AE2-B766-D914FF6D1453}" type="datetimeFigureOut">
               <a:rPr lang="en-US" smtClean="0"/>
-              <a:t>9/18/2023</a:t>
+              <a:t>9/28/2023</a:t>
             </a:fld>
             <a:endParaRPr lang="en-US"/>
           </a:p>
@@ -3009,7 +3009,7 @@
           <a:p>
             <a:fld id="{57BC72D2-B6B3-4AE2-B766-D914FF6D1453}" type="datetimeFigureOut">
               <a:rPr lang="en-US" smtClean="0"/>
-              <a:t>9/18/2023</a:t>
+              <a:t>9/28/2023</a:t>
             </a:fld>
             <a:endParaRPr lang="en-US"/>
           </a:p>
@@ -3284,7 +3284,7 @@
           <a:p>
             <a:fld id="{57BC72D2-B6B3-4AE2-B766-D914FF6D1453}" type="datetimeFigureOut">
               <a:rPr lang="en-US" smtClean="0"/>
-              <a:t>9/18/2023</a:t>
+              <a:t>9/28/2023</a:t>
             </a:fld>
             <a:endParaRPr lang="en-US"/>
           </a:p>
@@ -3549,7 +3549,7 @@
           <a:p>
             <a:fld id="{57BC72D2-B6B3-4AE2-B766-D914FF6D1453}" type="datetimeFigureOut">
               <a:rPr lang="en-US" smtClean="0"/>
-              <a:t>9/18/2023</a:t>
+              <a:t>9/28/2023</a:t>
             </a:fld>
             <a:endParaRPr lang="en-US"/>
           </a:p>
@@ -3961,7 +3961,7 @@
           <a:p>
             <a:fld id="{57BC72D2-B6B3-4AE2-B766-D914FF6D1453}" type="datetimeFigureOut">
               <a:rPr lang="en-US" smtClean="0"/>
-              <a:t>9/18/2023</a:t>
+              <a:t>9/28/2023</a:t>
             </a:fld>
             <a:endParaRPr lang="en-US"/>
           </a:p>
@@ -4102,7 +4102,7 @@
           <a:p>
             <a:fld id="{57BC72D2-B6B3-4AE2-B766-D914FF6D1453}" type="datetimeFigureOut">
               <a:rPr lang="en-US" smtClean="0"/>
-              <a:t>9/18/2023</a:t>
+              <a:t>9/28/2023</a:t>
             </a:fld>
             <a:endParaRPr lang="en-US"/>
           </a:p>
@@ -4215,7 +4215,7 @@
           <a:p>
             <a:fld id="{57BC72D2-B6B3-4AE2-B766-D914FF6D1453}" type="datetimeFigureOut">
               <a:rPr lang="en-US" smtClean="0"/>
-              <a:t>9/18/2023</a:t>
+              <a:t>9/28/2023</a:t>
             </a:fld>
             <a:endParaRPr lang="en-US"/>
           </a:p>
@@ -4526,7 +4526,7 @@
           <a:p>
             <a:fld id="{57BC72D2-B6B3-4AE2-B766-D914FF6D1453}" type="datetimeFigureOut">
               <a:rPr lang="en-US" smtClean="0"/>
-              <a:t>9/18/2023</a:t>
+              <a:t>9/28/2023</a:t>
             </a:fld>
             <a:endParaRPr lang="en-US"/>
           </a:p>
@@ -4814,7 +4814,7 @@
           <a:p>
             <a:fld id="{57BC72D2-B6B3-4AE2-B766-D914FF6D1453}" type="datetimeFigureOut">
               <a:rPr lang="en-US" smtClean="0"/>
-              <a:t>9/18/2023</a:t>
+              <a:t>9/28/2023</a:t>
             </a:fld>
             <a:endParaRPr lang="en-US"/>
           </a:p>
@@ -5055,7 +5055,7 @@
           <a:p>
             <a:fld id="{57BC72D2-B6B3-4AE2-B766-D914FF6D1453}" type="datetimeFigureOut">
               <a:rPr lang="en-US" smtClean="0"/>
-              <a:t>9/18/2023</a:t>
+              <a:t>9/28/2023</a:t>
             </a:fld>
             <a:endParaRPr lang="en-US"/>
           </a:p>
@@ -43453,8 +43453,8 @@
           </p:sp>
         </mc:Fallback>
       </mc:AlternateContent>
-      <mc:AlternateContent xmlns:mc="http://schemas.openxmlformats.org/markup-compatibility/2006" xmlns:a14="http://schemas.microsoft.com/office/drawing/2010/main">
-        <mc:Choice Requires="a14">
+      <mc:AlternateContent xmlns:mc="http://schemas.openxmlformats.org/markup-compatibility/2006">
+        <mc:Choice xmlns:a14="http://schemas.microsoft.com/office/drawing/2010/main" Requires="a14">
           <p:sp>
             <p:nvSpPr>
               <p:cNvPr id="4" name="Content Placeholder 3"/>
@@ -43736,13 +43736,18 @@
                 </a:r>
                 <a:r>
                   <a:rPr lang="en-US" sz="2800" dirty="0"/>
-                  <a:t>stimates the true frequency</a:t>
+                  <a:t>stimates the true frequency for </a:t>
                 </a:r>
+                <a:r>
+                  <a:rPr lang="en-US" sz="2800"/>
+                  <a:t>insertion-only streams</a:t>
+                </a:r>
+                <a:endParaRPr lang="en-US" sz="2800" dirty="0"/>
               </a:p>
             </p:txBody>
           </p:sp>
         </mc:Choice>
-        <mc:Fallback xmlns="">
+        <mc:Fallback>
           <p:sp>
             <p:nvSpPr>
               <p:cNvPr id="4" name="Content Placeholder 3"/>

--- a/CSCE689-23/L12.pptx
+++ b/CSCE689-23/L12.pptx
@@ -227,7 +227,7 @@
           <a:p>
             <a:fld id="{D3F9CEB5-2A64-4CF6-94E8-A1E574E0AB80}" type="datetimeFigureOut">
               <a:rPr lang="en-US" smtClean="0"/>
-              <a:t>9/28/2023</a:t>
+              <a:t>9/29/2023</a:t>
             </a:fld>
             <a:endParaRPr lang="en-US"/>
           </a:p>
@@ -2405,7 +2405,7 @@
           <a:p>
             <a:fld id="{57BC72D2-B6B3-4AE2-B766-D914FF6D1453}" type="datetimeFigureOut">
               <a:rPr lang="en-US" smtClean="0"/>
-              <a:t>9/28/2023</a:t>
+              <a:t>9/29/2023</a:t>
             </a:fld>
             <a:endParaRPr lang="en-US"/>
           </a:p>
@@ -2603,7 +2603,7 @@
           <a:p>
             <a:fld id="{57BC72D2-B6B3-4AE2-B766-D914FF6D1453}" type="datetimeFigureOut">
               <a:rPr lang="en-US" smtClean="0"/>
-              <a:t>9/28/2023</a:t>
+              <a:t>9/29/2023</a:t>
             </a:fld>
             <a:endParaRPr lang="en-US"/>
           </a:p>
@@ -2811,7 +2811,7 @@
           <a:p>
             <a:fld id="{57BC72D2-B6B3-4AE2-B766-D914FF6D1453}" type="datetimeFigureOut">
               <a:rPr lang="en-US" smtClean="0"/>
-              <a:t>9/28/2023</a:t>
+              <a:t>9/29/2023</a:t>
             </a:fld>
             <a:endParaRPr lang="en-US"/>
           </a:p>
@@ -3009,7 +3009,7 @@
           <a:p>
             <a:fld id="{57BC72D2-B6B3-4AE2-B766-D914FF6D1453}" type="datetimeFigureOut">
               <a:rPr lang="en-US" smtClean="0"/>
-              <a:t>9/28/2023</a:t>
+              <a:t>9/29/2023</a:t>
             </a:fld>
             <a:endParaRPr lang="en-US"/>
           </a:p>
@@ -3284,7 +3284,7 @@
           <a:p>
             <a:fld id="{57BC72D2-B6B3-4AE2-B766-D914FF6D1453}" type="datetimeFigureOut">
               <a:rPr lang="en-US" smtClean="0"/>
-              <a:t>9/28/2023</a:t>
+              <a:t>9/29/2023</a:t>
             </a:fld>
             <a:endParaRPr lang="en-US"/>
           </a:p>
@@ -3549,7 +3549,7 @@
           <a:p>
             <a:fld id="{57BC72D2-B6B3-4AE2-B766-D914FF6D1453}" type="datetimeFigureOut">
               <a:rPr lang="en-US" smtClean="0"/>
-              <a:t>9/28/2023</a:t>
+              <a:t>9/29/2023</a:t>
             </a:fld>
             <a:endParaRPr lang="en-US"/>
           </a:p>
@@ -3961,7 +3961,7 @@
           <a:p>
             <a:fld id="{57BC72D2-B6B3-4AE2-B766-D914FF6D1453}" type="datetimeFigureOut">
               <a:rPr lang="en-US" smtClean="0"/>
-              <a:t>9/28/2023</a:t>
+              <a:t>9/29/2023</a:t>
             </a:fld>
             <a:endParaRPr lang="en-US"/>
           </a:p>
@@ -4102,7 +4102,7 @@
           <a:p>
             <a:fld id="{57BC72D2-B6B3-4AE2-B766-D914FF6D1453}" type="datetimeFigureOut">
               <a:rPr lang="en-US" smtClean="0"/>
-              <a:t>9/28/2023</a:t>
+              <a:t>9/29/2023</a:t>
             </a:fld>
             <a:endParaRPr lang="en-US"/>
           </a:p>
@@ -4215,7 +4215,7 @@
           <a:p>
             <a:fld id="{57BC72D2-B6B3-4AE2-B766-D914FF6D1453}" type="datetimeFigureOut">
               <a:rPr lang="en-US" smtClean="0"/>
-              <a:t>9/28/2023</a:t>
+              <a:t>9/29/2023</a:t>
             </a:fld>
             <a:endParaRPr lang="en-US"/>
           </a:p>
@@ -4526,7 +4526,7 @@
           <a:p>
             <a:fld id="{57BC72D2-B6B3-4AE2-B766-D914FF6D1453}" type="datetimeFigureOut">
               <a:rPr lang="en-US" smtClean="0"/>
-              <a:t>9/28/2023</a:t>
+              <a:t>9/29/2023</a:t>
             </a:fld>
             <a:endParaRPr lang="en-US"/>
           </a:p>
@@ -4814,7 +4814,7 @@
           <a:p>
             <a:fld id="{57BC72D2-B6B3-4AE2-B766-D914FF6D1453}" type="datetimeFigureOut">
               <a:rPr lang="en-US" smtClean="0"/>
-              <a:t>9/28/2023</a:t>
+              <a:t>9/29/2023</a:t>
             </a:fld>
             <a:endParaRPr lang="en-US"/>
           </a:p>
@@ -5055,7 +5055,7 @@
           <a:p>
             <a:fld id="{57BC72D2-B6B3-4AE2-B766-D914FF6D1453}" type="datetimeFigureOut">
               <a:rPr lang="en-US" smtClean="0"/>
-              <a:t>9/28/2023</a:t>
+              <a:t>9/29/2023</a:t>
             </a:fld>
             <a:endParaRPr lang="en-US"/>
           </a:p>
@@ -42977,8 +42977,8 @@
           </p:sp>
         </mc:Fallback>
       </mc:AlternateContent>
-      <mc:AlternateContent xmlns:mc="http://schemas.openxmlformats.org/markup-compatibility/2006" xmlns:a14="http://schemas.microsoft.com/office/drawing/2010/main">
-        <mc:Choice Requires="a14">
+      <mc:AlternateContent xmlns:mc="http://schemas.openxmlformats.org/markup-compatibility/2006">
+        <mc:Choice xmlns:a14="http://schemas.microsoft.com/office/drawing/2010/main" Requires="a14">
           <p:sp>
             <p:nvSpPr>
               <p:cNvPr id="5" name="TextBox 4">
@@ -43048,6 +43048,99 @@
                           </m:r>
                         </m:sub>
                       </m:sSub>
+                      <m:r>
+                        <a:rPr lang="en-US" sz="2800" b="0" i="1" smtClean="0">
+                          <a:solidFill>
+                            <a:srgbClr val="C00000"/>
+                          </a:solidFill>
+                          <a:latin typeface="Cambria Math" panose="02040503050406030204" pitchFamily="18" charset="0"/>
+                        </a:rPr>
+                        <m:t>−</m:t>
+                      </m:r>
+                      <m:f>
+                        <m:fPr>
+                          <m:ctrlPr>
+                            <a:rPr lang="en-US" sz="2800" i="1">
+                              <a:solidFill>
+                                <a:srgbClr val="C00000"/>
+                              </a:solidFill>
+                              <a:latin typeface="Cambria Math" panose="02040503050406030204" pitchFamily="18" charset="0"/>
+                            </a:rPr>
+                          </m:ctrlPr>
+                        </m:fPr>
+                        <m:num>
+                          <m:r>
+                            <a:rPr lang="en-US" sz="2800" i="1">
+                              <a:solidFill>
+                                <a:srgbClr val="C00000"/>
+                              </a:solidFill>
+                              <a:latin typeface="Cambria Math" panose="02040503050406030204" pitchFamily="18" charset="0"/>
+                            </a:rPr>
+                            <m:t>𝜀</m:t>
+                          </m:r>
+                          <m:sSub>
+                            <m:sSubPr>
+                              <m:ctrlPr>
+                                <a:rPr lang="en-US" sz="2800" i="1">
+                                  <a:solidFill>
+                                    <a:srgbClr val="C00000"/>
+                                  </a:solidFill>
+                                  <a:latin typeface="Cambria Math" panose="02040503050406030204" pitchFamily="18" charset="0"/>
+                                </a:rPr>
+                              </m:ctrlPr>
+                            </m:sSubPr>
+                            <m:e>
+                              <m:d>
+                                <m:dPr>
+                                  <m:begChr m:val="‖"/>
+                                  <m:endChr m:val="‖"/>
+                                  <m:ctrlPr>
+                                    <a:rPr lang="en-US" sz="2800" i="1">
+                                      <a:solidFill>
+                                        <a:srgbClr val="C00000"/>
+                                      </a:solidFill>
+                                      <a:latin typeface="Cambria Math" panose="02040503050406030204" pitchFamily="18" charset="0"/>
+                                    </a:rPr>
+                                  </m:ctrlPr>
+                                </m:dPr>
+                                <m:e>
+                                  <m:r>
+                                    <a:rPr lang="en-US" sz="2800" i="1">
+                                      <a:solidFill>
+                                        <a:srgbClr val="C00000"/>
+                                      </a:solidFill>
+                                      <a:latin typeface="Cambria Math" panose="02040503050406030204" pitchFamily="18" charset="0"/>
+                                    </a:rPr>
+                                    <m:t>𝑓</m:t>
+                                  </m:r>
+                                </m:e>
+                              </m:d>
+                            </m:e>
+                            <m:sub>
+                              <m:r>
+                                <a:rPr lang="en-US" sz="2800" i="1">
+                                  <a:solidFill>
+                                    <a:srgbClr val="C00000"/>
+                                  </a:solidFill>
+                                  <a:latin typeface="Cambria Math" panose="02040503050406030204" pitchFamily="18" charset="0"/>
+                                </a:rPr>
+                                <m:t>1</m:t>
+                              </m:r>
+                            </m:sub>
+                          </m:sSub>
+                        </m:num>
+                        <m:den>
+                          <m:r>
+                            <a:rPr lang="en-US" sz="2800" i="1">
+                              <a:solidFill>
+                                <a:srgbClr val="C00000"/>
+                              </a:solidFill>
+                              <a:latin typeface="Cambria Math" panose="02040503050406030204" pitchFamily="18" charset="0"/>
+                            </a:rPr>
+                            <m:t>𝑘</m:t>
+                          </m:r>
+                        </m:den>
+                      </m:f>
                       <m:r>
                         <a:rPr lang="en-US" sz="2800" b="0" i="1" smtClean="0">
                           <a:solidFill>
@@ -43250,7 +43343,7 @@
             </p:txBody>
           </p:sp>
         </mc:Choice>
-        <mc:Fallback xmlns="">
+        <mc:Fallback>
           <p:sp>
             <p:nvSpPr>
               <p:cNvPr id="5" name="TextBox 4">
@@ -43647,18 +43740,43 @@
                             </m:ctrlPr>
                           </m:funcPr>
                           <m:fName>
-                            <m:r>
-                              <m:rPr>
-                                <m:sty m:val="p"/>
-                              </m:rPr>
-                              <a:rPr lang="en-US" b="0" i="0" smtClean="0">
-                                <a:solidFill>
-                                  <a:srgbClr val="C00000"/>
-                                </a:solidFill>
-                                <a:latin typeface="Cambria Math" panose="02040503050406030204" pitchFamily="18" charset="0"/>
-                              </a:rPr>
-                              <m:t>log</m:t>
-                            </m:r>
+                            <m:sSup>
+                              <m:sSupPr>
+                                <m:ctrlPr>
+                                  <a:rPr lang="en-US" b="0" i="0" smtClean="0">
+                                    <a:solidFill>
+                                      <a:srgbClr val="C00000"/>
+                                    </a:solidFill>
+                                    <a:latin typeface="Cambria Math" panose="02040503050406030204" pitchFamily="18" charset="0"/>
+                                  </a:rPr>
+                                </m:ctrlPr>
+                              </m:sSupPr>
+                              <m:e>
+                                <m:r>
+                                  <m:rPr>
+                                    <m:sty m:val="p"/>
+                                  </m:rPr>
+                                  <a:rPr lang="en-US" b="0" i="0" smtClean="0">
+                                    <a:solidFill>
+                                      <a:srgbClr val="C00000"/>
+                                    </a:solidFill>
+                                    <a:latin typeface="Cambria Math" panose="02040503050406030204" pitchFamily="18" charset="0"/>
+                                  </a:rPr>
+                                  <m:t>log</m:t>
+                                </m:r>
+                              </m:e>
+                              <m:sup>
+                                <m:r>
+                                  <a:rPr lang="en-US" b="0" i="0" smtClean="0">
+                                    <a:solidFill>
+                                      <a:srgbClr val="C00000"/>
+                                    </a:solidFill>
+                                    <a:latin typeface="Cambria Math" panose="02040503050406030204" pitchFamily="18" charset="0"/>
+                                  </a:rPr>
+                                  <m:t>2</m:t>
+                                </m:r>
+                              </m:sup>
+                            </m:sSup>
                           </m:fName>
                           <m:e>
                             <m:r>
@@ -43701,7 +43819,7 @@
                 </a:r>
                 <a:r>
                   <a:rPr lang="en-US" sz="2800" dirty="0"/>
-                  <a:t> is a deterministic algorithm</a:t>
+                  <a:t> is a randomized algorithm</a:t>
                 </a:r>
               </a:p>
               <a:p>
@@ -43736,13 +43854,8 @@
                 </a:r>
                 <a:r>
                   <a:rPr lang="en-US" sz="2800" dirty="0"/>
-                  <a:t>stimates the true frequency for </a:t>
+                  <a:t>stimates the true frequency for insertion-only streams</a:t>
                 </a:r>
-                <a:r>
-                  <a:rPr lang="en-US" sz="2800"/>
-                  <a:t>insertion-only streams</a:t>
-                </a:r>
-                <a:endParaRPr lang="en-US" sz="2800" dirty="0"/>
               </a:p>
             </p:txBody>
           </p:sp>
